--- a/현재 작성 파일/경력기술서_강영훈_250630.pptx
+++ b/현재 작성 파일/경력기술서_강영훈_250630.pptx
@@ -4490,7 +4490,7 @@
     <mc:Choice Requires="p14">
       <p:transition/>
     </mc:Choice>
-    <mc:Fallback xmlns="" xmlns:c="http://schemas.openxmlformats.org/drawingml/2006/chart" xmlns:dgm="http://schemas.openxmlformats.org/drawingml/2006/diagram" xmlns:dsp="http://schemas.microsoft.com/office/drawing/2008/diagram">
+    <mc:Fallback xmlns:dsp="http://schemas.microsoft.com/office/drawing/2008/diagram" xmlns:dgm="http://schemas.openxmlformats.org/drawingml/2006/diagram" xmlns:c="http://schemas.openxmlformats.org/drawingml/2006/chart" xmlns="">
       <p:transition/>
     </mc:Fallback>
   </mc:AlternateContent>
@@ -7109,7 +7109,7 @@
     <mc:Choice Requires="p14">
       <p:transition/>
     </mc:Choice>
-    <mc:Fallback xmlns="" xmlns:c="http://schemas.openxmlformats.org/drawingml/2006/chart" xmlns:dgm="http://schemas.openxmlformats.org/drawingml/2006/diagram" xmlns:dsp="http://schemas.microsoft.com/office/drawing/2008/diagram">
+    <mc:Fallback xmlns:dsp="http://schemas.microsoft.com/office/drawing/2008/diagram" xmlns:dgm="http://schemas.openxmlformats.org/drawingml/2006/diagram" xmlns:c="http://schemas.openxmlformats.org/drawingml/2006/chart" xmlns="">
       <p:transition/>
     </mc:Fallback>
   </mc:AlternateContent>
@@ -8058,7 +8058,7 @@
     <mc:Choice Requires="p14">
       <p:transition/>
     </mc:Choice>
-    <mc:Fallback xmlns="" xmlns:c="http://schemas.openxmlformats.org/drawingml/2006/chart" xmlns:dgm="http://schemas.openxmlformats.org/drawingml/2006/diagram" xmlns:dsp="http://schemas.microsoft.com/office/drawing/2008/diagram">
+    <mc:Fallback xmlns:dsp="http://schemas.microsoft.com/office/drawing/2008/diagram" xmlns:dgm="http://schemas.openxmlformats.org/drawingml/2006/diagram" xmlns:c="http://schemas.openxmlformats.org/drawingml/2006/chart" xmlns="">
       <p:transition/>
     </mc:Fallback>
   </mc:AlternateContent>
@@ -10292,7 +10292,7 @@
     <mc:Choice Requires="p14">
       <p:transition/>
     </mc:Choice>
-    <mc:Fallback xmlns="" xmlns:c="http://schemas.openxmlformats.org/drawingml/2006/chart" xmlns:dgm="http://schemas.openxmlformats.org/drawingml/2006/diagram" xmlns:dsp="http://schemas.microsoft.com/office/drawing/2008/diagram">
+    <mc:Fallback xmlns:dsp="http://schemas.microsoft.com/office/drawing/2008/diagram" xmlns:dgm="http://schemas.openxmlformats.org/drawingml/2006/diagram" xmlns:c="http://schemas.openxmlformats.org/drawingml/2006/chart" xmlns="">
       <p:transition/>
     </mc:Fallback>
   </mc:AlternateContent>
@@ -11395,7 +11395,7 @@
     <mc:Choice Requires="p14">
       <p:transition/>
     </mc:Choice>
-    <mc:Fallback xmlns="" xmlns:c="http://schemas.openxmlformats.org/drawingml/2006/chart" xmlns:dgm="http://schemas.openxmlformats.org/drawingml/2006/diagram" xmlns:dsp="http://schemas.microsoft.com/office/drawing/2008/diagram">
+    <mc:Fallback xmlns:dsp="http://schemas.microsoft.com/office/drawing/2008/diagram" xmlns:dgm="http://schemas.openxmlformats.org/drawingml/2006/diagram" xmlns:c="http://schemas.openxmlformats.org/drawingml/2006/chart" xmlns="">
       <p:transition/>
     </mc:Fallback>
   </mc:AlternateContent>
@@ -12367,16 +12367,29 @@
                 <a:ea typeface="함초롬돋움" panose="020B0604000101010101" pitchFamily="50" charset="-127"/>
                 <a:cs typeface="함초롬돋움" panose="020B0604000101010101" pitchFamily="50" charset="-127"/>
               </a:rPr>
-              <a:t>자격증과 외국어 시험을 준비하는 등</a:t>
-            </a:r>
-            <a:r>
-              <a:rPr lang="en-US" altLang="ko-KR" sz="1600" dirty="0">
-                <a:latin typeface="함초롬돋움" panose="020B0604000101010101" pitchFamily="50" charset="-127"/>
-                <a:ea typeface="함초롬돋움" panose="020B0604000101010101" pitchFamily="50" charset="-127"/>
-                <a:cs typeface="함초롬돋움" panose="020B0604000101010101" pitchFamily="50" charset="-127"/>
-              </a:rPr>
-              <a:t>,</a:t>
-            </a:r>
+              <a:t>자격증 준비 및 </a:t>
+            </a:r>
+            <a:r>
+              <a:rPr lang="ko-KR" altLang="en-US" sz="1600">
+                <a:latin typeface="함초롬돋움" panose="020B0604000101010101" pitchFamily="50" charset="-127"/>
+                <a:ea typeface="함초롬돋움" panose="020B0604000101010101" pitchFamily="50" charset="-127"/>
+                <a:cs typeface="함초롬돋움" panose="020B0604000101010101" pitchFamily="50" charset="-127"/>
+              </a:rPr>
+              <a:t>자동화 관련 서적 </a:t>
+            </a:r>
+            <a:r>
+              <a:rPr lang="ko-KR" altLang="en-US" sz="1600" dirty="0">
+                <a:latin typeface="함초롬돋움" panose="020B0604000101010101" pitchFamily="50" charset="-127"/>
+                <a:ea typeface="함초롬돋움" panose="020B0604000101010101" pitchFamily="50" charset="-127"/>
+                <a:cs typeface="함초롬돋움" panose="020B0604000101010101" pitchFamily="50" charset="-127"/>
+              </a:rPr>
+              <a:t>구입 등</a:t>
+            </a:r>
+            <a:endParaRPr lang="en-US" altLang="ko-KR" sz="1600" dirty="0">
+              <a:latin typeface="함초롬돋움" panose="020B0604000101010101" pitchFamily="50" charset="-127"/>
+              <a:ea typeface="함초롬돋움" panose="020B0604000101010101" pitchFamily="50" charset="-127"/>
+              <a:cs typeface="함초롬돋움" panose="020B0604000101010101" pitchFamily="50" charset="-127"/>
+            </a:endParaRPr>
           </a:p>
           <a:p>
             <a:pPr marL="342900" indent="-342900">
@@ -12418,14 +12431,6 @@
                 <a:cs typeface="함초롬돋움" panose="020B0604000101010101" pitchFamily="50" charset="-127"/>
               </a:rPr>
               <a:t>.</a:t>
-            </a:r>
-            <a:r>
-              <a:rPr lang="ko-KR" altLang="en-US" sz="1600" dirty="0">
-                <a:latin typeface="함초롬돋움" panose="020B0604000101010101" pitchFamily="50" charset="-127"/>
-                <a:ea typeface="함초롬돋움" panose="020B0604000101010101" pitchFamily="50" charset="-127"/>
-                <a:cs typeface="함초롬돋움" panose="020B0604000101010101" pitchFamily="50" charset="-127"/>
-              </a:rPr>
-              <a:t> </a:t>
             </a:r>
             <a:endParaRPr lang="en-US" altLang="ko-KR" sz="1400" dirty="0">
               <a:latin typeface="함초롬돋움" panose="020B0604000101010101" pitchFamily="50" charset="-127"/>
@@ -12494,7 +12499,7 @@
     <mc:Choice Requires="p14">
       <p:transition/>
     </mc:Choice>
-    <mc:Fallback xmlns="" xmlns:c="http://schemas.openxmlformats.org/drawingml/2006/chart" xmlns:dgm="http://schemas.openxmlformats.org/drawingml/2006/diagram" xmlns:dsp="http://schemas.microsoft.com/office/drawing/2008/diagram">
+    <mc:Fallback xmlns:dsp="http://schemas.microsoft.com/office/drawing/2008/diagram" xmlns:dgm="http://schemas.openxmlformats.org/drawingml/2006/diagram" xmlns:c="http://schemas.openxmlformats.org/drawingml/2006/chart" xmlns="">
       <p:transition/>
     </mc:Fallback>
   </mc:AlternateContent>
